--- a/media-source/Advanced Warehouse Configurations.pptx
+++ b/media-source/Advanced Warehouse Configurations.pptx
@@ -6,6 +6,7 @@
   </p:sldMasterIdLst>
   <p:sldIdLst>
     <p:sldId id="256" r:id="rId2"/>
+    <p:sldId id="257" r:id="rId3"/>
   </p:sldIdLst>
   <p:sldSz cx="12192000" cy="6858000"/>
   <p:notesSz cx="6858000" cy="9144000"/>
@@ -261,7 +262,7 @@
           <a:p>
             <a:fld id="{1C5F5D2F-457D-4143-81D1-0D017BA21BD7}" type="datetimeFigureOut">
               <a:rPr lang="en-DK" smtClean="0"/>
-              <a:t>31/05/2022</a:t>
+              <a:t>25/11/2022</a:t>
             </a:fld>
             <a:endParaRPr lang="en-DK"/>
           </a:p>
@@ -461,7 +462,7 @@
           <a:p>
             <a:fld id="{1C5F5D2F-457D-4143-81D1-0D017BA21BD7}" type="datetimeFigureOut">
               <a:rPr lang="en-DK" smtClean="0"/>
-              <a:t>31/05/2022</a:t>
+              <a:t>25/11/2022</a:t>
             </a:fld>
             <a:endParaRPr lang="en-DK"/>
           </a:p>
@@ -671,7 +672,7 @@
           <a:p>
             <a:fld id="{1C5F5D2F-457D-4143-81D1-0D017BA21BD7}" type="datetimeFigureOut">
               <a:rPr lang="en-DK" smtClean="0"/>
-              <a:t>31/05/2022</a:t>
+              <a:t>25/11/2022</a:t>
             </a:fld>
             <a:endParaRPr lang="en-DK"/>
           </a:p>
@@ -871,7 +872,7 @@
           <a:p>
             <a:fld id="{1C5F5D2F-457D-4143-81D1-0D017BA21BD7}" type="datetimeFigureOut">
               <a:rPr lang="en-DK" smtClean="0"/>
-              <a:t>31/05/2022</a:t>
+              <a:t>25/11/2022</a:t>
             </a:fld>
             <a:endParaRPr lang="en-DK"/>
           </a:p>
@@ -1147,7 +1148,7 @@
           <a:p>
             <a:fld id="{1C5F5D2F-457D-4143-81D1-0D017BA21BD7}" type="datetimeFigureOut">
               <a:rPr lang="en-DK" smtClean="0"/>
-              <a:t>31/05/2022</a:t>
+              <a:t>25/11/2022</a:t>
             </a:fld>
             <a:endParaRPr lang="en-DK"/>
           </a:p>
@@ -1415,7 +1416,7 @@
           <a:p>
             <a:fld id="{1C5F5D2F-457D-4143-81D1-0D017BA21BD7}" type="datetimeFigureOut">
               <a:rPr lang="en-DK" smtClean="0"/>
-              <a:t>31/05/2022</a:t>
+              <a:t>25/11/2022</a:t>
             </a:fld>
             <a:endParaRPr lang="en-DK"/>
           </a:p>
@@ -1830,7 +1831,7 @@
           <a:p>
             <a:fld id="{1C5F5D2F-457D-4143-81D1-0D017BA21BD7}" type="datetimeFigureOut">
               <a:rPr lang="en-DK" smtClean="0"/>
-              <a:t>31/05/2022</a:t>
+              <a:t>25/11/2022</a:t>
             </a:fld>
             <a:endParaRPr lang="en-DK"/>
           </a:p>
@@ -1972,7 +1973,7 @@
           <a:p>
             <a:fld id="{1C5F5D2F-457D-4143-81D1-0D017BA21BD7}" type="datetimeFigureOut">
               <a:rPr lang="en-DK" smtClean="0"/>
-              <a:t>31/05/2022</a:t>
+              <a:t>25/11/2022</a:t>
             </a:fld>
             <a:endParaRPr lang="en-DK"/>
           </a:p>
@@ -2085,7 +2086,7 @@
           <a:p>
             <a:fld id="{1C5F5D2F-457D-4143-81D1-0D017BA21BD7}" type="datetimeFigureOut">
               <a:rPr lang="en-DK" smtClean="0"/>
-              <a:t>31/05/2022</a:t>
+              <a:t>25/11/2022</a:t>
             </a:fld>
             <a:endParaRPr lang="en-DK"/>
           </a:p>
@@ -2398,7 +2399,7 @@
           <a:p>
             <a:fld id="{1C5F5D2F-457D-4143-81D1-0D017BA21BD7}" type="datetimeFigureOut">
               <a:rPr lang="en-DK" smtClean="0"/>
-              <a:t>31/05/2022</a:t>
+              <a:t>25/11/2022</a:t>
             </a:fld>
             <a:endParaRPr lang="en-DK"/>
           </a:p>
@@ -2687,7 +2688,7 @@
           <a:p>
             <a:fld id="{1C5F5D2F-457D-4143-81D1-0D017BA21BD7}" type="datetimeFigureOut">
               <a:rPr lang="en-DK" smtClean="0"/>
-              <a:t>31/05/2022</a:t>
+              <a:t>25/11/2022</a:t>
             </a:fld>
             <a:endParaRPr lang="en-DK"/>
           </a:p>
@@ -2930,7 +2931,7 @@
           <a:p>
             <a:fld id="{1C5F5D2F-457D-4143-81D1-0D017BA21BD7}" type="datetimeFigureOut">
               <a:rPr lang="en-DK" smtClean="0"/>
-              <a:t>31/05/2022</a:t>
+              <a:t>25/11/2022</a:t>
             </a:fld>
             <a:endParaRPr lang="en-DK"/>
           </a:p>
@@ -6270,10 +6271,2374 @@
           </a:p>
         </p:txBody>
       </p:sp>
+      <p:sp>
+        <p:nvSpPr>
+          <p:cNvPr id="2" name="Rectangle 1">
+            <a:extLst>
+              <a:ext uri="{FF2B5EF4-FFF2-40B4-BE49-F238E27FC236}">
+                <a16:creationId xmlns:a16="http://schemas.microsoft.com/office/drawing/2014/main" id="{9C2E22A9-C2AD-2484-72FA-DD00573041E5}"/>
+              </a:ext>
+            </a:extLst>
+          </p:cNvPr>
+          <p:cNvSpPr/>
+          <p:nvPr/>
+        </p:nvSpPr>
+        <p:spPr>
+          <a:xfrm>
+            <a:off x="3860787" y="492981"/>
+            <a:ext cx="2444597" cy="643009"/>
+          </a:xfrm>
+          <a:prstGeom prst="rect">
+            <a:avLst/>
+          </a:prstGeom>
+        </p:spPr>
+        <p:style>
+          <a:lnRef idx="2">
+            <a:schemeClr val="accent1">
+              <a:shade val="50000"/>
+            </a:schemeClr>
+          </a:lnRef>
+          <a:fillRef idx="1">
+            <a:schemeClr val="accent1"/>
+          </a:fillRef>
+          <a:effectRef idx="0">
+            <a:schemeClr val="accent1"/>
+          </a:effectRef>
+          <a:fontRef idx="minor">
+            <a:schemeClr val="lt1"/>
+          </a:fontRef>
+        </p:style>
+        <p:txBody>
+          <a:bodyPr rtlCol="0" anchor="ctr"/>
+          <a:lstStyle/>
+          <a:p>
+            <a:pPr algn="ctr"/>
+            <a:r>
+              <a:rPr lang="en-US" dirty="0"/>
+              <a:t>OLD</a:t>
+            </a:r>
+            <a:endParaRPr lang="en-DK" dirty="0"/>
+          </a:p>
+        </p:txBody>
+      </p:sp>
     </p:spTree>
     <p:extLst>
       <p:ext uri="{BB962C8B-B14F-4D97-AF65-F5344CB8AC3E}">
         <p14:creationId xmlns:p14="http://schemas.microsoft.com/office/powerpoint/2010/main" val="1648563784"/>
+      </p:ext>
+    </p:extLst>
+  </p:cSld>
+  <p:clrMapOvr>
+    <a:masterClrMapping/>
+  </p:clrMapOvr>
+</p:sld>
+</file>
+
+<file path=ppt/slides/slide2.xml><?xml version="1.0" encoding="utf-8"?>
+<p:sld xmlns:a="http://schemas.openxmlformats.org/drawingml/2006/main" xmlns:r="http://schemas.openxmlformats.org/officeDocument/2006/relationships" xmlns:p="http://schemas.openxmlformats.org/presentationml/2006/main">
+  <p:cSld>
+    <p:spTree>
+      <p:nvGrpSpPr>
+        <p:cNvPr id="1" name=""/>
+        <p:cNvGrpSpPr/>
+        <p:nvPr/>
+      </p:nvGrpSpPr>
+      <p:grpSpPr>
+        <a:xfrm>
+          <a:off x="0" y="0"/>
+          <a:ext cx="0" cy="0"/>
+          <a:chOff x="0" y="0"/>
+          <a:chExt cx="0" cy="0"/>
+        </a:xfrm>
+      </p:grpSpPr>
+      <p:sp>
+        <p:nvSpPr>
+          <p:cNvPr id="6" name="Rectangle 5">
+            <a:extLst>
+              <a:ext uri="{FF2B5EF4-FFF2-40B4-BE49-F238E27FC236}">
+                <a16:creationId xmlns:a16="http://schemas.microsoft.com/office/drawing/2014/main" id="{2D0D55C2-C7D4-BA75-ABBD-DDEB07AB9607}"/>
+              </a:ext>
+            </a:extLst>
+          </p:cNvPr>
+          <p:cNvSpPr/>
+          <p:nvPr/>
+        </p:nvSpPr>
+        <p:spPr>
+          <a:xfrm>
+            <a:off x="4269037" y="4561995"/>
+            <a:ext cx="1720959" cy="771525"/>
+          </a:xfrm>
+          <a:prstGeom prst="rect">
+            <a:avLst/>
+          </a:prstGeom>
+          <a:solidFill>
+            <a:schemeClr val="bg1"/>
+          </a:solidFill>
+          <a:ln>
+            <a:solidFill>
+              <a:srgbClr val="0B556A"/>
+            </a:solidFill>
+          </a:ln>
+        </p:spPr>
+        <p:style>
+          <a:lnRef idx="2">
+            <a:schemeClr val="accent1">
+              <a:shade val="50000"/>
+            </a:schemeClr>
+          </a:lnRef>
+          <a:fillRef idx="1">
+            <a:schemeClr val="accent1"/>
+          </a:fillRef>
+          <a:effectRef idx="0">
+            <a:schemeClr val="accent1"/>
+          </a:effectRef>
+          <a:fontRef idx="minor">
+            <a:schemeClr val="lt1"/>
+          </a:fontRef>
+        </p:style>
+        <p:txBody>
+          <a:bodyPr rtlCol="0" anchor="t"/>
+          <a:lstStyle/>
+          <a:p>
+            <a:pPr algn="ctr"/>
+            <a:r>
+              <a:rPr lang="en-US" sz="1200" dirty="0">
+                <a:solidFill>
+                  <a:schemeClr val="tx1"/>
+                </a:solidFill>
+                <a:latin typeface="Segoe UI" panose="020B0502040204020203" pitchFamily="34" charset="0"/>
+                <a:cs typeface="Segoe UI" panose="020B0502040204020203" pitchFamily="34" charset="0"/>
+              </a:rPr>
+              <a:t>Put-Away Worksheet</a:t>
+            </a:r>
+            <a:endParaRPr lang="en-DK" sz="1200" dirty="0">
+              <a:solidFill>
+                <a:schemeClr val="tx1"/>
+              </a:solidFill>
+              <a:latin typeface="Segoe UI" panose="020B0502040204020203" pitchFamily="34" charset="0"/>
+              <a:cs typeface="Segoe UI" panose="020B0502040204020203" pitchFamily="34" charset="0"/>
+            </a:endParaRPr>
+          </a:p>
+        </p:txBody>
+      </p:sp>
+      <p:sp>
+        <p:nvSpPr>
+          <p:cNvPr id="8" name="Rectangle 7">
+            <a:extLst>
+              <a:ext uri="{FF2B5EF4-FFF2-40B4-BE49-F238E27FC236}">
+                <a16:creationId xmlns:a16="http://schemas.microsoft.com/office/drawing/2014/main" id="{4286C0A4-BA11-CFA3-58BC-B5D7571DD84B}"/>
+              </a:ext>
+            </a:extLst>
+          </p:cNvPr>
+          <p:cNvSpPr/>
+          <p:nvPr/>
+        </p:nvSpPr>
+        <p:spPr>
+          <a:xfrm>
+            <a:off x="1137511" y="396649"/>
+            <a:ext cx="1720959" cy="771525"/>
+          </a:xfrm>
+          <a:prstGeom prst="rect">
+            <a:avLst/>
+          </a:prstGeom>
+          <a:solidFill>
+            <a:schemeClr val="bg1"/>
+          </a:solidFill>
+          <a:ln>
+            <a:solidFill>
+              <a:srgbClr val="0B556A"/>
+            </a:solidFill>
+          </a:ln>
+        </p:spPr>
+        <p:style>
+          <a:lnRef idx="2">
+            <a:schemeClr val="accent1">
+              <a:shade val="50000"/>
+            </a:schemeClr>
+          </a:lnRef>
+          <a:fillRef idx="1">
+            <a:schemeClr val="accent1"/>
+          </a:fillRef>
+          <a:effectRef idx="0">
+            <a:schemeClr val="accent1"/>
+          </a:effectRef>
+          <a:fontRef idx="minor">
+            <a:schemeClr val="lt1"/>
+          </a:fontRef>
+        </p:style>
+        <p:txBody>
+          <a:bodyPr rtlCol="0" anchor="t"/>
+          <a:lstStyle/>
+          <a:p>
+            <a:pPr algn="ctr"/>
+            <a:r>
+              <a:rPr lang="en-US" sz="1200" dirty="0">
+                <a:solidFill>
+                  <a:schemeClr val="tx1"/>
+                </a:solidFill>
+                <a:latin typeface="Segoe UI" panose="020B0502040204020203" pitchFamily="34" charset="0"/>
+                <a:cs typeface="Segoe UI" panose="020B0502040204020203" pitchFamily="34" charset="0"/>
+              </a:rPr>
+              <a:t>Sales Return Order</a:t>
+            </a:r>
+            <a:endParaRPr lang="en-DK" sz="1200" dirty="0">
+              <a:solidFill>
+                <a:schemeClr val="tx1"/>
+              </a:solidFill>
+              <a:latin typeface="Segoe UI" panose="020B0502040204020203" pitchFamily="34" charset="0"/>
+              <a:cs typeface="Segoe UI" panose="020B0502040204020203" pitchFamily="34" charset="0"/>
+            </a:endParaRPr>
+          </a:p>
+        </p:txBody>
+      </p:sp>
+      <p:sp>
+        <p:nvSpPr>
+          <p:cNvPr id="10" name="Rectangle 9">
+            <a:extLst>
+              <a:ext uri="{FF2B5EF4-FFF2-40B4-BE49-F238E27FC236}">
+                <a16:creationId xmlns:a16="http://schemas.microsoft.com/office/drawing/2014/main" id="{79362602-4EF6-A4A7-FCAE-B4626D22E2D0}"/>
+              </a:ext>
+            </a:extLst>
+          </p:cNvPr>
+          <p:cNvSpPr/>
+          <p:nvPr/>
+        </p:nvSpPr>
+        <p:spPr>
+          <a:xfrm>
+            <a:off x="752583" y="709305"/>
+            <a:ext cx="1720959" cy="771525"/>
+          </a:xfrm>
+          <a:prstGeom prst="rect">
+            <a:avLst/>
+          </a:prstGeom>
+          <a:solidFill>
+            <a:schemeClr val="bg1"/>
+          </a:solidFill>
+          <a:ln>
+            <a:solidFill>
+              <a:srgbClr val="0B556A"/>
+            </a:solidFill>
+          </a:ln>
+        </p:spPr>
+        <p:style>
+          <a:lnRef idx="2">
+            <a:schemeClr val="accent1">
+              <a:shade val="50000"/>
+            </a:schemeClr>
+          </a:lnRef>
+          <a:fillRef idx="1">
+            <a:schemeClr val="accent1"/>
+          </a:fillRef>
+          <a:effectRef idx="0">
+            <a:schemeClr val="accent1"/>
+          </a:effectRef>
+          <a:fontRef idx="minor">
+            <a:schemeClr val="lt1"/>
+          </a:fontRef>
+        </p:style>
+        <p:txBody>
+          <a:bodyPr rtlCol="0" anchor="t"/>
+          <a:lstStyle/>
+          <a:p>
+            <a:pPr algn="ctr"/>
+            <a:r>
+              <a:rPr lang="en-US" sz="1200" dirty="0">
+                <a:solidFill>
+                  <a:schemeClr val="tx1"/>
+                </a:solidFill>
+                <a:latin typeface="Segoe UI" panose="020B0502040204020203" pitchFamily="34" charset="0"/>
+                <a:cs typeface="Segoe UI" panose="020B0502040204020203" pitchFamily="34" charset="0"/>
+              </a:rPr>
+              <a:t>Transfer Order</a:t>
+            </a:r>
+            <a:endParaRPr lang="en-DK" sz="1200" dirty="0">
+              <a:solidFill>
+                <a:schemeClr val="tx1"/>
+              </a:solidFill>
+              <a:latin typeface="Segoe UI" panose="020B0502040204020203" pitchFamily="34" charset="0"/>
+              <a:cs typeface="Segoe UI" panose="020B0502040204020203" pitchFamily="34" charset="0"/>
+            </a:endParaRPr>
+          </a:p>
+        </p:txBody>
+      </p:sp>
+      <p:sp>
+        <p:nvSpPr>
+          <p:cNvPr id="12" name="Rectangle 11">
+            <a:extLst>
+              <a:ext uri="{FF2B5EF4-FFF2-40B4-BE49-F238E27FC236}">
+                <a16:creationId xmlns:a16="http://schemas.microsoft.com/office/drawing/2014/main" id="{854ED023-4437-2EC8-2E9E-D30034DD6716}"/>
+              </a:ext>
+            </a:extLst>
+          </p:cNvPr>
+          <p:cNvSpPr/>
+          <p:nvPr/>
+        </p:nvSpPr>
+        <p:spPr>
+          <a:xfrm>
+            <a:off x="507631" y="1070895"/>
+            <a:ext cx="1720959" cy="771525"/>
+          </a:xfrm>
+          <a:prstGeom prst="rect">
+            <a:avLst/>
+          </a:prstGeom>
+          <a:solidFill>
+            <a:schemeClr val="bg1"/>
+          </a:solidFill>
+          <a:ln>
+            <a:solidFill>
+              <a:srgbClr val="0B556A"/>
+            </a:solidFill>
+          </a:ln>
+        </p:spPr>
+        <p:style>
+          <a:lnRef idx="2">
+            <a:schemeClr val="accent1">
+              <a:shade val="50000"/>
+            </a:schemeClr>
+          </a:lnRef>
+          <a:fillRef idx="1">
+            <a:schemeClr val="accent1"/>
+          </a:fillRef>
+          <a:effectRef idx="0">
+            <a:schemeClr val="accent1"/>
+          </a:effectRef>
+          <a:fontRef idx="minor">
+            <a:schemeClr val="lt1"/>
+          </a:fontRef>
+        </p:style>
+        <p:txBody>
+          <a:bodyPr rtlCol="0" anchor="t"/>
+          <a:lstStyle/>
+          <a:p>
+            <a:pPr algn="ctr"/>
+            <a:r>
+              <a:rPr lang="en-US" sz="1200" dirty="0">
+                <a:solidFill>
+                  <a:schemeClr val="tx1"/>
+                </a:solidFill>
+                <a:latin typeface="Segoe UI" panose="020B0502040204020203" pitchFamily="34" charset="0"/>
+                <a:cs typeface="Segoe UI" panose="020B0502040204020203" pitchFamily="34" charset="0"/>
+              </a:rPr>
+              <a:t>Purchase Order</a:t>
+            </a:r>
+            <a:endParaRPr lang="en-DK" sz="1200" dirty="0">
+              <a:solidFill>
+                <a:schemeClr val="tx1"/>
+              </a:solidFill>
+              <a:latin typeface="Segoe UI" panose="020B0502040204020203" pitchFamily="34" charset="0"/>
+              <a:cs typeface="Segoe UI" panose="020B0502040204020203" pitchFamily="34" charset="0"/>
+            </a:endParaRPr>
+          </a:p>
+        </p:txBody>
+      </p:sp>
+      <p:sp>
+        <p:nvSpPr>
+          <p:cNvPr id="14" name="Rectangle 13">
+            <a:extLst>
+              <a:ext uri="{FF2B5EF4-FFF2-40B4-BE49-F238E27FC236}">
+                <a16:creationId xmlns:a16="http://schemas.microsoft.com/office/drawing/2014/main" id="{425E45B4-35B8-F55E-5955-43C87D5BFEBF}"/>
+              </a:ext>
+            </a:extLst>
+          </p:cNvPr>
+          <p:cNvSpPr/>
+          <p:nvPr/>
+        </p:nvSpPr>
+        <p:spPr>
+          <a:xfrm>
+            <a:off x="894198" y="1658005"/>
+            <a:ext cx="942493" cy="322185"/>
+          </a:xfrm>
+          <a:prstGeom prst="rect">
+            <a:avLst/>
+          </a:prstGeom>
+          <a:solidFill>
+            <a:schemeClr val="bg1"/>
+          </a:solidFill>
+          <a:ln>
+            <a:solidFill>
+              <a:srgbClr val="0B556A"/>
+            </a:solidFill>
+          </a:ln>
+        </p:spPr>
+        <p:style>
+          <a:lnRef idx="2">
+            <a:schemeClr val="accent1">
+              <a:shade val="50000"/>
+            </a:schemeClr>
+          </a:lnRef>
+          <a:fillRef idx="1">
+            <a:schemeClr val="accent1"/>
+          </a:fillRef>
+          <a:effectRef idx="0">
+            <a:schemeClr val="accent1"/>
+          </a:effectRef>
+          <a:fontRef idx="minor">
+            <a:schemeClr val="lt1"/>
+          </a:fontRef>
+        </p:style>
+        <p:txBody>
+          <a:bodyPr rtlCol="0" anchor="t"/>
+          <a:lstStyle/>
+          <a:p>
+            <a:pPr algn="ctr"/>
+            <a:r>
+              <a:rPr lang="en-US" sz="1200" dirty="0">
+                <a:solidFill>
+                  <a:schemeClr val="tx1"/>
+                </a:solidFill>
+                <a:latin typeface="Segoe UI" panose="020B0502040204020203" pitchFamily="34" charset="0"/>
+                <a:cs typeface="Segoe UI" panose="020B0502040204020203" pitchFamily="34" charset="0"/>
+              </a:rPr>
+              <a:t>Release…</a:t>
+            </a:r>
+          </a:p>
+        </p:txBody>
+      </p:sp>
+      <p:sp>
+        <p:nvSpPr>
+          <p:cNvPr id="20" name="Rectangle 19">
+            <a:extLst>
+              <a:ext uri="{FF2B5EF4-FFF2-40B4-BE49-F238E27FC236}">
+                <a16:creationId xmlns:a16="http://schemas.microsoft.com/office/drawing/2014/main" id="{4C7F6D43-B16D-E2CB-E686-DC3DB9D71A97}"/>
+              </a:ext>
+            </a:extLst>
+          </p:cNvPr>
+          <p:cNvSpPr/>
+          <p:nvPr/>
+        </p:nvSpPr>
+        <p:spPr>
+          <a:xfrm>
+            <a:off x="8815573" y="396649"/>
+            <a:ext cx="1720959" cy="771525"/>
+          </a:xfrm>
+          <a:prstGeom prst="rect">
+            <a:avLst/>
+          </a:prstGeom>
+          <a:solidFill>
+            <a:schemeClr val="bg1"/>
+          </a:solidFill>
+          <a:ln>
+            <a:solidFill>
+              <a:srgbClr val="0B556A"/>
+            </a:solidFill>
+          </a:ln>
+        </p:spPr>
+        <p:style>
+          <a:lnRef idx="2">
+            <a:schemeClr val="accent1">
+              <a:shade val="50000"/>
+            </a:schemeClr>
+          </a:lnRef>
+          <a:fillRef idx="1">
+            <a:schemeClr val="accent1"/>
+          </a:fillRef>
+          <a:effectRef idx="0">
+            <a:schemeClr val="accent1"/>
+          </a:effectRef>
+          <a:fontRef idx="minor">
+            <a:schemeClr val="lt1"/>
+          </a:fontRef>
+        </p:style>
+        <p:txBody>
+          <a:bodyPr rtlCol="0" anchor="t"/>
+          <a:lstStyle/>
+          <a:p>
+            <a:pPr algn="ctr"/>
+            <a:r>
+              <a:rPr lang="en-US" sz="1200" dirty="0">
+                <a:solidFill>
+                  <a:schemeClr val="tx1"/>
+                </a:solidFill>
+                <a:latin typeface="Segoe UI" panose="020B0502040204020203" pitchFamily="34" charset="0"/>
+                <a:cs typeface="Segoe UI" panose="020B0502040204020203" pitchFamily="34" charset="0"/>
+              </a:rPr>
+              <a:t>Posted Return Receipt</a:t>
+            </a:r>
+            <a:endParaRPr lang="en-DK" sz="1200" dirty="0">
+              <a:solidFill>
+                <a:schemeClr val="tx1"/>
+              </a:solidFill>
+              <a:latin typeface="Segoe UI" panose="020B0502040204020203" pitchFamily="34" charset="0"/>
+              <a:cs typeface="Segoe UI" panose="020B0502040204020203" pitchFamily="34" charset="0"/>
+            </a:endParaRPr>
+          </a:p>
+        </p:txBody>
+      </p:sp>
+      <p:sp>
+        <p:nvSpPr>
+          <p:cNvPr id="22" name="Rectangle 21">
+            <a:extLst>
+              <a:ext uri="{FF2B5EF4-FFF2-40B4-BE49-F238E27FC236}">
+                <a16:creationId xmlns:a16="http://schemas.microsoft.com/office/drawing/2014/main" id="{386BB60E-AF03-8919-FD4E-C6820AA8C778}"/>
+              </a:ext>
+            </a:extLst>
+          </p:cNvPr>
+          <p:cNvSpPr/>
+          <p:nvPr/>
+        </p:nvSpPr>
+        <p:spPr>
+          <a:xfrm>
+            <a:off x="8597521" y="706571"/>
+            <a:ext cx="1815861" cy="771525"/>
+          </a:xfrm>
+          <a:prstGeom prst="rect">
+            <a:avLst/>
+          </a:prstGeom>
+          <a:solidFill>
+            <a:schemeClr val="bg1"/>
+          </a:solidFill>
+          <a:ln>
+            <a:solidFill>
+              <a:srgbClr val="0B556A"/>
+            </a:solidFill>
+          </a:ln>
+        </p:spPr>
+        <p:style>
+          <a:lnRef idx="2">
+            <a:schemeClr val="accent1">
+              <a:shade val="50000"/>
+            </a:schemeClr>
+          </a:lnRef>
+          <a:fillRef idx="1">
+            <a:schemeClr val="accent1"/>
+          </a:fillRef>
+          <a:effectRef idx="0">
+            <a:schemeClr val="accent1"/>
+          </a:effectRef>
+          <a:fontRef idx="minor">
+            <a:schemeClr val="lt1"/>
+          </a:fontRef>
+        </p:style>
+        <p:txBody>
+          <a:bodyPr rtlCol="0" anchor="t"/>
+          <a:lstStyle/>
+          <a:p>
+            <a:pPr algn="ctr"/>
+            <a:r>
+              <a:rPr lang="en-US" sz="1200" dirty="0">
+                <a:solidFill>
+                  <a:schemeClr val="tx1"/>
+                </a:solidFill>
+                <a:latin typeface="Segoe UI" panose="020B0502040204020203" pitchFamily="34" charset="0"/>
+                <a:cs typeface="Segoe UI" panose="020B0502040204020203" pitchFamily="34" charset="0"/>
+              </a:rPr>
+              <a:t>Posted Transfer Receipt</a:t>
+            </a:r>
+            <a:endParaRPr lang="en-DK" sz="1200" dirty="0">
+              <a:solidFill>
+                <a:schemeClr val="tx1"/>
+              </a:solidFill>
+              <a:latin typeface="Segoe UI" panose="020B0502040204020203" pitchFamily="34" charset="0"/>
+              <a:cs typeface="Segoe UI" panose="020B0502040204020203" pitchFamily="34" charset="0"/>
+            </a:endParaRPr>
+          </a:p>
+        </p:txBody>
+      </p:sp>
+      <p:sp>
+        <p:nvSpPr>
+          <p:cNvPr id="24" name="Rectangle 23">
+            <a:extLst>
+              <a:ext uri="{FF2B5EF4-FFF2-40B4-BE49-F238E27FC236}">
+                <a16:creationId xmlns:a16="http://schemas.microsoft.com/office/drawing/2014/main" id="{B14265BF-C3F8-F51B-0092-D25B6E7495B0}"/>
+              </a:ext>
+            </a:extLst>
+          </p:cNvPr>
+          <p:cNvSpPr/>
+          <p:nvPr/>
+        </p:nvSpPr>
+        <p:spPr>
+          <a:xfrm>
+            <a:off x="8430645" y="1016493"/>
+            <a:ext cx="1815861" cy="771525"/>
+          </a:xfrm>
+          <a:prstGeom prst="rect">
+            <a:avLst/>
+          </a:prstGeom>
+          <a:solidFill>
+            <a:schemeClr val="bg1"/>
+          </a:solidFill>
+          <a:ln>
+            <a:solidFill>
+              <a:srgbClr val="0B556A"/>
+            </a:solidFill>
+          </a:ln>
+        </p:spPr>
+        <p:style>
+          <a:lnRef idx="2">
+            <a:schemeClr val="accent1">
+              <a:shade val="50000"/>
+            </a:schemeClr>
+          </a:lnRef>
+          <a:fillRef idx="1">
+            <a:schemeClr val="accent1"/>
+          </a:fillRef>
+          <a:effectRef idx="0">
+            <a:schemeClr val="accent1"/>
+          </a:effectRef>
+          <a:fontRef idx="minor">
+            <a:schemeClr val="lt1"/>
+          </a:fontRef>
+        </p:style>
+        <p:txBody>
+          <a:bodyPr rtlCol="0" anchor="t"/>
+          <a:lstStyle/>
+          <a:p>
+            <a:pPr algn="ctr"/>
+            <a:r>
+              <a:rPr lang="en-US" sz="1200" dirty="0">
+                <a:solidFill>
+                  <a:schemeClr val="tx1"/>
+                </a:solidFill>
+                <a:latin typeface="Segoe UI" panose="020B0502040204020203" pitchFamily="34" charset="0"/>
+                <a:cs typeface="Segoe UI" panose="020B0502040204020203" pitchFamily="34" charset="0"/>
+              </a:rPr>
+              <a:t>Posted Purchase Receipt</a:t>
+            </a:r>
+            <a:endParaRPr lang="en-DK" sz="1200" dirty="0">
+              <a:solidFill>
+                <a:schemeClr val="tx1"/>
+              </a:solidFill>
+              <a:latin typeface="Segoe UI" panose="020B0502040204020203" pitchFamily="34" charset="0"/>
+              <a:cs typeface="Segoe UI" panose="020B0502040204020203" pitchFamily="34" charset="0"/>
+            </a:endParaRPr>
+          </a:p>
+        </p:txBody>
+      </p:sp>
+      <p:sp>
+        <p:nvSpPr>
+          <p:cNvPr id="28" name="Rectangle 27">
+            <a:extLst>
+              <a:ext uri="{FF2B5EF4-FFF2-40B4-BE49-F238E27FC236}">
+                <a16:creationId xmlns:a16="http://schemas.microsoft.com/office/drawing/2014/main" id="{4EB76F9A-3CB2-2048-844B-4D06AF0F29CF}"/>
+              </a:ext>
+            </a:extLst>
+          </p:cNvPr>
+          <p:cNvSpPr/>
+          <p:nvPr/>
+        </p:nvSpPr>
+        <p:spPr>
+          <a:xfrm>
+            <a:off x="8815573" y="2186660"/>
+            <a:ext cx="1720959" cy="771525"/>
+          </a:xfrm>
+          <a:prstGeom prst="rect">
+            <a:avLst/>
+          </a:prstGeom>
+          <a:solidFill>
+            <a:schemeClr val="bg1"/>
+          </a:solidFill>
+          <a:ln>
+            <a:solidFill>
+              <a:srgbClr val="0B556A"/>
+            </a:solidFill>
+          </a:ln>
+        </p:spPr>
+        <p:style>
+          <a:lnRef idx="2">
+            <a:schemeClr val="accent1">
+              <a:shade val="50000"/>
+            </a:schemeClr>
+          </a:lnRef>
+          <a:fillRef idx="1">
+            <a:schemeClr val="accent1"/>
+          </a:fillRef>
+          <a:effectRef idx="0">
+            <a:schemeClr val="accent1"/>
+          </a:effectRef>
+          <a:fontRef idx="minor">
+            <a:schemeClr val="lt1"/>
+          </a:fontRef>
+        </p:style>
+        <p:txBody>
+          <a:bodyPr rtlCol="0" anchor="t"/>
+          <a:lstStyle/>
+          <a:p>
+            <a:pPr algn="ctr"/>
+            <a:endParaRPr lang="en-DK" sz="1400" dirty="0">
+              <a:solidFill>
+                <a:schemeClr val="tx1"/>
+              </a:solidFill>
+              <a:latin typeface="Segoe UI" panose="020B0502040204020203" pitchFamily="34" charset="0"/>
+              <a:cs typeface="Segoe UI" panose="020B0502040204020203" pitchFamily="34" charset="0"/>
+            </a:endParaRPr>
+          </a:p>
+        </p:txBody>
+      </p:sp>
+      <p:sp>
+        <p:nvSpPr>
+          <p:cNvPr id="30" name="Rectangle 29">
+            <a:extLst>
+              <a:ext uri="{FF2B5EF4-FFF2-40B4-BE49-F238E27FC236}">
+                <a16:creationId xmlns:a16="http://schemas.microsoft.com/office/drawing/2014/main" id="{36D83E0C-A2AE-076D-9D4B-1B1A46E21C7D}"/>
+              </a:ext>
+            </a:extLst>
+          </p:cNvPr>
+          <p:cNvSpPr/>
+          <p:nvPr/>
+        </p:nvSpPr>
+        <p:spPr>
+          <a:xfrm>
+            <a:off x="8583814" y="2359665"/>
+            <a:ext cx="1815861" cy="771525"/>
+          </a:xfrm>
+          <a:prstGeom prst="rect">
+            <a:avLst/>
+          </a:prstGeom>
+          <a:solidFill>
+            <a:schemeClr val="bg1"/>
+          </a:solidFill>
+          <a:ln>
+            <a:solidFill>
+              <a:srgbClr val="0B556A"/>
+            </a:solidFill>
+          </a:ln>
+        </p:spPr>
+        <p:style>
+          <a:lnRef idx="2">
+            <a:schemeClr val="accent1">
+              <a:shade val="50000"/>
+            </a:schemeClr>
+          </a:lnRef>
+          <a:fillRef idx="1">
+            <a:schemeClr val="accent1"/>
+          </a:fillRef>
+          <a:effectRef idx="0">
+            <a:schemeClr val="accent1"/>
+          </a:effectRef>
+          <a:fontRef idx="minor">
+            <a:schemeClr val="lt1"/>
+          </a:fontRef>
+        </p:style>
+        <p:txBody>
+          <a:bodyPr rtlCol="0" anchor="t"/>
+          <a:lstStyle/>
+          <a:p>
+            <a:pPr algn="ctr"/>
+            <a:endParaRPr lang="en-DK" sz="1400" dirty="0">
+              <a:solidFill>
+                <a:schemeClr val="tx1"/>
+              </a:solidFill>
+              <a:latin typeface="Segoe UI" panose="020B0502040204020203" pitchFamily="34" charset="0"/>
+              <a:cs typeface="Segoe UI" panose="020B0502040204020203" pitchFamily="34" charset="0"/>
+            </a:endParaRPr>
+          </a:p>
+        </p:txBody>
+      </p:sp>
+      <p:sp>
+        <p:nvSpPr>
+          <p:cNvPr id="26" name="Rectangle 25">
+            <a:extLst>
+              <a:ext uri="{FF2B5EF4-FFF2-40B4-BE49-F238E27FC236}">
+                <a16:creationId xmlns:a16="http://schemas.microsoft.com/office/drawing/2014/main" id="{3C71B353-659C-5729-9A08-DD6F8247B25A}"/>
+              </a:ext>
+            </a:extLst>
+          </p:cNvPr>
+          <p:cNvSpPr/>
+          <p:nvPr/>
+        </p:nvSpPr>
+        <p:spPr>
+          <a:xfrm>
+            <a:off x="8253137" y="2530609"/>
+            <a:ext cx="1993370" cy="771525"/>
+          </a:xfrm>
+          <a:prstGeom prst="rect">
+            <a:avLst/>
+          </a:prstGeom>
+          <a:solidFill>
+            <a:schemeClr val="bg1"/>
+          </a:solidFill>
+          <a:ln>
+            <a:solidFill>
+              <a:srgbClr val="0B556A"/>
+            </a:solidFill>
+          </a:ln>
+        </p:spPr>
+        <p:style>
+          <a:lnRef idx="2">
+            <a:schemeClr val="accent1">
+              <a:shade val="50000"/>
+            </a:schemeClr>
+          </a:lnRef>
+          <a:fillRef idx="1">
+            <a:schemeClr val="accent1"/>
+          </a:fillRef>
+          <a:effectRef idx="0">
+            <a:schemeClr val="accent1"/>
+          </a:effectRef>
+          <a:fontRef idx="minor">
+            <a:schemeClr val="lt1"/>
+          </a:fontRef>
+        </p:style>
+        <p:txBody>
+          <a:bodyPr rtlCol="0" anchor="t"/>
+          <a:lstStyle/>
+          <a:p>
+            <a:pPr algn="ctr"/>
+            <a:r>
+              <a:rPr lang="en-US" sz="1200" dirty="0">
+                <a:solidFill>
+                  <a:schemeClr val="tx1"/>
+                </a:solidFill>
+                <a:latin typeface="Segoe UI" panose="020B0502040204020203" pitchFamily="34" charset="0"/>
+                <a:cs typeface="Segoe UI" panose="020B0502040204020203" pitchFamily="34" charset="0"/>
+              </a:rPr>
+              <a:t>Posted Warehouse Receipt</a:t>
+            </a:r>
+            <a:endParaRPr lang="en-DK" sz="1200" dirty="0">
+              <a:solidFill>
+                <a:schemeClr val="tx1"/>
+              </a:solidFill>
+              <a:latin typeface="Segoe UI" panose="020B0502040204020203" pitchFamily="34" charset="0"/>
+              <a:cs typeface="Segoe UI" panose="020B0502040204020203" pitchFamily="34" charset="0"/>
+            </a:endParaRPr>
+          </a:p>
+        </p:txBody>
+      </p:sp>
+      <p:cxnSp>
+        <p:nvCxnSpPr>
+          <p:cNvPr id="35" name="Straight Arrow Connector 34">
+            <a:extLst>
+              <a:ext uri="{FF2B5EF4-FFF2-40B4-BE49-F238E27FC236}">
+                <a16:creationId xmlns:a16="http://schemas.microsoft.com/office/drawing/2014/main" id="{96814DF5-801E-4EB2-0D23-3F51750F0627}"/>
+              </a:ext>
+            </a:extLst>
+          </p:cNvPr>
+          <p:cNvCxnSpPr>
+            <a:cxnSpLocks/>
+          </p:cNvCxnSpPr>
+          <p:nvPr/>
+        </p:nvCxnSpPr>
+        <p:spPr>
+          <a:xfrm>
+            <a:off x="2228590" y="1658006"/>
+            <a:ext cx="6202055" cy="0"/>
+          </a:xfrm>
+          <a:prstGeom prst="straightConnector1">
+            <a:avLst/>
+          </a:prstGeom>
+          <a:ln>
+            <a:solidFill>
+              <a:srgbClr val="0B556A"/>
+            </a:solidFill>
+            <a:tailEnd type="triangle"/>
+          </a:ln>
+        </p:spPr>
+        <p:style>
+          <a:lnRef idx="1">
+            <a:schemeClr val="accent1"/>
+          </a:lnRef>
+          <a:fillRef idx="0">
+            <a:schemeClr val="accent1"/>
+          </a:fillRef>
+          <a:effectRef idx="0">
+            <a:schemeClr val="accent1"/>
+          </a:effectRef>
+          <a:fontRef idx="minor">
+            <a:schemeClr val="tx1"/>
+          </a:fontRef>
+        </p:style>
+      </p:cxnSp>
+      <p:cxnSp>
+        <p:nvCxnSpPr>
+          <p:cNvPr id="37" name="Connector: Elbow 36">
+            <a:extLst>
+              <a:ext uri="{FF2B5EF4-FFF2-40B4-BE49-F238E27FC236}">
+                <a16:creationId xmlns:a16="http://schemas.microsoft.com/office/drawing/2014/main" id="{D483B59C-EBF8-2B59-DD9D-97EC8A5DCCE1}"/>
+              </a:ext>
+            </a:extLst>
+          </p:cNvPr>
+          <p:cNvCxnSpPr>
+            <a:cxnSpLocks/>
+            <a:endCxn id="69" idx="1"/>
+          </p:cNvCxnSpPr>
+          <p:nvPr/>
+        </p:nvCxnSpPr>
+        <p:spPr>
+          <a:xfrm>
+            <a:off x="1368110" y="2020761"/>
+            <a:ext cx="4117286" cy="895611"/>
+          </a:xfrm>
+          <a:prstGeom prst="bentConnector3">
+            <a:avLst>
+              <a:gd name="adj1" fmla="val 175"/>
+            </a:avLst>
+          </a:prstGeom>
+          <a:ln>
+            <a:solidFill>
+              <a:srgbClr val="0B556A"/>
+            </a:solidFill>
+            <a:tailEnd type="triangle"/>
+          </a:ln>
+        </p:spPr>
+        <p:style>
+          <a:lnRef idx="1">
+            <a:schemeClr val="accent1"/>
+          </a:lnRef>
+          <a:fillRef idx="0">
+            <a:schemeClr val="accent1"/>
+          </a:fillRef>
+          <a:effectRef idx="0">
+            <a:schemeClr val="accent1"/>
+          </a:effectRef>
+          <a:fontRef idx="minor">
+            <a:schemeClr val="tx1"/>
+          </a:fontRef>
+        </p:style>
+      </p:cxnSp>
+      <p:sp>
+        <p:nvSpPr>
+          <p:cNvPr id="41" name="Rectangle 40">
+            <a:extLst>
+              <a:ext uri="{FF2B5EF4-FFF2-40B4-BE49-F238E27FC236}">
+                <a16:creationId xmlns:a16="http://schemas.microsoft.com/office/drawing/2014/main" id="{2B20AAFC-8851-FADF-9DEF-E87046E05649}"/>
+              </a:ext>
+            </a:extLst>
+          </p:cNvPr>
+          <p:cNvSpPr/>
+          <p:nvPr/>
+        </p:nvSpPr>
+        <p:spPr>
+          <a:xfrm>
+            <a:off x="4656010" y="5111094"/>
+            <a:ext cx="1720960" cy="438672"/>
+          </a:xfrm>
+          <a:prstGeom prst="rect">
+            <a:avLst/>
+          </a:prstGeom>
+          <a:solidFill>
+            <a:schemeClr val="bg1"/>
+          </a:solidFill>
+          <a:ln>
+            <a:solidFill>
+              <a:srgbClr val="0B556A"/>
+            </a:solidFill>
+          </a:ln>
+        </p:spPr>
+        <p:style>
+          <a:lnRef idx="2">
+            <a:schemeClr val="accent1">
+              <a:shade val="50000"/>
+            </a:schemeClr>
+          </a:lnRef>
+          <a:fillRef idx="1">
+            <a:schemeClr val="accent1"/>
+          </a:fillRef>
+          <a:effectRef idx="0">
+            <a:schemeClr val="accent1"/>
+          </a:effectRef>
+          <a:fontRef idx="minor">
+            <a:schemeClr val="lt1"/>
+          </a:fontRef>
+        </p:style>
+        <p:txBody>
+          <a:bodyPr rtlCol="0" anchor="t"/>
+          <a:lstStyle/>
+          <a:p>
+            <a:pPr algn="ctr"/>
+            <a:r>
+              <a:rPr lang="en-US" sz="1200" dirty="0">
+                <a:solidFill>
+                  <a:schemeClr val="tx1"/>
+                </a:solidFill>
+                <a:latin typeface="Segoe UI" panose="020B0502040204020203" pitchFamily="34" charset="0"/>
+                <a:cs typeface="Segoe UI" panose="020B0502040204020203" pitchFamily="34" charset="0"/>
+              </a:rPr>
+              <a:t>Create Warehouse Put-Aways…</a:t>
+            </a:r>
+            <a:endParaRPr lang="en-DK" sz="1200" dirty="0">
+              <a:solidFill>
+                <a:schemeClr val="tx1"/>
+              </a:solidFill>
+              <a:latin typeface="Segoe UI" panose="020B0502040204020203" pitchFamily="34" charset="0"/>
+              <a:cs typeface="Segoe UI" panose="020B0502040204020203" pitchFamily="34" charset="0"/>
+            </a:endParaRPr>
+          </a:p>
+        </p:txBody>
+      </p:sp>
+      <p:sp>
+        <p:nvSpPr>
+          <p:cNvPr id="65" name="Rectangle 64">
+            <a:extLst>
+              <a:ext uri="{FF2B5EF4-FFF2-40B4-BE49-F238E27FC236}">
+                <a16:creationId xmlns:a16="http://schemas.microsoft.com/office/drawing/2014/main" id="{65891E5A-3323-41B2-53CB-AB3F98FF5EB8}"/>
+              </a:ext>
+            </a:extLst>
+          </p:cNvPr>
+          <p:cNvSpPr/>
+          <p:nvPr/>
+        </p:nvSpPr>
+        <p:spPr>
+          <a:xfrm>
+            <a:off x="5989996" y="2186660"/>
+            <a:ext cx="1720959" cy="771525"/>
+          </a:xfrm>
+          <a:prstGeom prst="rect">
+            <a:avLst/>
+          </a:prstGeom>
+          <a:solidFill>
+            <a:schemeClr val="bg1"/>
+          </a:solidFill>
+          <a:ln>
+            <a:solidFill>
+              <a:srgbClr val="0B556A"/>
+            </a:solidFill>
+          </a:ln>
+        </p:spPr>
+        <p:style>
+          <a:lnRef idx="2">
+            <a:schemeClr val="accent1">
+              <a:shade val="50000"/>
+            </a:schemeClr>
+          </a:lnRef>
+          <a:fillRef idx="1">
+            <a:schemeClr val="accent1"/>
+          </a:fillRef>
+          <a:effectRef idx="0">
+            <a:schemeClr val="accent1"/>
+          </a:effectRef>
+          <a:fontRef idx="minor">
+            <a:schemeClr val="lt1"/>
+          </a:fontRef>
+        </p:style>
+        <p:txBody>
+          <a:bodyPr rtlCol="0" anchor="t"/>
+          <a:lstStyle/>
+          <a:p>
+            <a:pPr algn="ctr"/>
+            <a:endParaRPr lang="en-DK" sz="1400" dirty="0">
+              <a:solidFill>
+                <a:schemeClr val="tx1"/>
+              </a:solidFill>
+              <a:latin typeface="Segoe UI" panose="020B0502040204020203" pitchFamily="34" charset="0"/>
+              <a:cs typeface="Segoe UI" panose="020B0502040204020203" pitchFamily="34" charset="0"/>
+            </a:endParaRPr>
+          </a:p>
+        </p:txBody>
+      </p:sp>
+      <p:sp>
+        <p:nvSpPr>
+          <p:cNvPr id="67" name="Rectangle 66">
+            <a:extLst>
+              <a:ext uri="{FF2B5EF4-FFF2-40B4-BE49-F238E27FC236}">
+                <a16:creationId xmlns:a16="http://schemas.microsoft.com/office/drawing/2014/main" id="{43E80355-3D94-4255-7573-104A2FCCB2CD}"/>
+              </a:ext>
+            </a:extLst>
+          </p:cNvPr>
+          <p:cNvSpPr/>
+          <p:nvPr/>
+        </p:nvSpPr>
+        <p:spPr>
+          <a:xfrm>
+            <a:off x="5758237" y="2359665"/>
+            <a:ext cx="1720959" cy="771525"/>
+          </a:xfrm>
+          <a:prstGeom prst="rect">
+            <a:avLst/>
+          </a:prstGeom>
+          <a:solidFill>
+            <a:schemeClr val="bg1"/>
+          </a:solidFill>
+          <a:ln>
+            <a:solidFill>
+              <a:srgbClr val="0B556A"/>
+            </a:solidFill>
+          </a:ln>
+        </p:spPr>
+        <p:style>
+          <a:lnRef idx="2">
+            <a:schemeClr val="accent1">
+              <a:shade val="50000"/>
+            </a:schemeClr>
+          </a:lnRef>
+          <a:fillRef idx="1">
+            <a:schemeClr val="accent1"/>
+          </a:fillRef>
+          <a:effectRef idx="0">
+            <a:schemeClr val="accent1"/>
+          </a:effectRef>
+          <a:fontRef idx="minor">
+            <a:schemeClr val="lt1"/>
+          </a:fontRef>
+        </p:style>
+        <p:txBody>
+          <a:bodyPr rtlCol="0" anchor="t"/>
+          <a:lstStyle/>
+          <a:p>
+            <a:pPr algn="ctr"/>
+            <a:endParaRPr lang="en-DK" sz="1400" dirty="0">
+              <a:solidFill>
+                <a:schemeClr val="tx1"/>
+              </a:solidFill>
+              <a:latin typeface="Segoe UI" panose="020B0502040204020203" pitchFamily="34" charset="0"/>
+              <a:cs typeface="Segoe UI" panose="020B0502040204020203" pitchFamily="34" charset="0"/>
+            </a:endParaRPr>
+          </a:p>
+        </p:txBody>
+      </p:sp>
+      <p:sp>
+        <p:nvSpPr>
+          <p:cNvPr id="69" name="Rectangle 68">
+            <a:extLst>
+              <a:ext uri="{FF2B5EF4-FFF2-40B4-BE49-F238E27FC236}">
+                <a16:creationId xmlns:a16="http://schemas.microsoft.com/office/drawing/2014/main" id="{CCF121EF-581C-DC4B-0ECA-9291C8EAD64A}"/>
+              </a:ext>
+            </a:extLst>
+          </p:cNvPr>
+          <p:cNvSpPr/>
+          <p:nvPr/>
+        </p:nvSpPr>
+        <p:spPr>
+          <a:xfrm>
+            <a:off x="5485396" y="2530609"/>
+            <a:ext cx="1720959" cy="771525"/>
+          </a:xfrm>
+          <a:prstGeom prst="rect">
+            <a:avLst/>
+          </a:prstGeom>
+          <a:solidFill>
+            <a:schemeClr val="bg1"/>
+          </a:solidFill>
+          <a:ln>
+            <a:solidFill>
+              <a:srgbClr val="0B556A"/>
+            </a:solidFill>
+          </a:ln>
+        </p:spPr>
+        <p:style>
+          <a:lnRef idx="2">
+            <a:schemeClr val="accent1">
+              <a:shade val="50000"/>
+            </a:schemeClr>
+          </a:lnRef>
+          <a:fillRef idx="1">
+            <a:schemeClr val="accent1"/>
+          </a:fillRef>
+          <a:effectRef idx="0">
+            <a:schemeClr val="accent1"/>
+          </a:effectRef>
+          <a:fontRef idx="minor">
+            <a:schemeClr val="lt1"/>
+          </a:fontRef>
+        </p:style>
+        <p:txBody>
+          <a:bodyPr rtlCol="0" anchor="t"/>
+          <a:lstStyle/>
+          <a:p>
+            <a:pPr algn="ctr"/>
+            <a:r>
+              <a:rPr lang="en-US" sz="1200" dirty="0">
+                <a:solidFill>
+                  <a:schemeClr val="tx1"/>
+                </a:solidFill>
+                <a:latin typeface="Segoe UI" panose="020B0502040204020203" pitchFamily="34" charset="0"/>
+                <a:cs typeface="Segoe UI" panose="020B0502040204020203" pitchFamily="34" charset="0"/>
+              </a:rPr>
+              <a:t>Warehouse Receipt</a:t>
+            </a:r>
+            <a:endParaRPr lang="en-DK" sz="1200" dirty="0">
+              <a:solidFill>
+                <a:schemeClr val="tx1"/>
+              </a:solidFill>
+              <a:latin typeface="Segoe UI" panose="020B0502040204020203" pitchFamily="34" charset="0"/>
+              <a:cs typeface="Segoe UI" panose="020B0502040204020203" pitchFamily="34" charset="0"/>
+            </a:endParaRPr>
+          </a:p>
+        </p:txBody>
+      </p:sp>
+      <p:sp>
+        <p:nvSpPr>
+          <p:cNvPr id="81" name="Rectangle 80">
+            <a:extLst>
+              <a:ext uri="{FF2B5EF4-FFF2-40B4-BE49-F238E27FC236}">
+                <a16:creationId xmlns:a16="http://schemas.microsoft.com/office/drawing/2014/main" id="{1008AD82-698E-94C7-E70C-EA59530AF86E}"/>
+              </a:ext>
+            </a:extLst>
+          </p:cNvPr>
+          <p:cNvSpPr/>
+          <p:nvPr/>
+        </p:nvSpPr>
+        <p:spPr>
+          <a:xfrm>
+            <a:off x="5813920" y="3106815"/>
+            <a:ext cx="942493" cy="322185"/>
+          </a:xfrm>
+          <a:prstGeom prst="rect">
+            <a:avLst/>
+          </a:prstGeom>
+          <a:solidFill>
+            <a:schemeClr val="bg1"/>
+          </a:solidFill>
+          <a:ln>
+            <a:solidFill>
+              <a:srgbClr val="0B556A"/>
+            </a:solidFill>
+          </a:ln>
+        </p:spPr>
+        <p:style>
+          <a:lnRef idx="2">
+            <a:schemeClr val="accent1">
+              <a:shade val="50000"/>
+            </a:schemeClr>
+          </a:lnRef>
+          <a:fillRef idx="1">
+            <a:schemeClr val="accent1"/>
+          </a:fillRef>
+          <a:effectRef idx="0">
+            <a:schemeClr val="accent1"/>
+          </a:effectRef>
+          <a:fontRef idx="minor">
+            <a:schemeClr val="lt1"/>
+          </a:fontRef>
+        </p:style>
+        <p:txBody>
+          <a:bodyPr rtlCol="0" anchor="t"/>
+          <a:lstStyle/>
+          <a:p>
+            <a:pPr algn="ctr"/>
+            <a:r>
+              <a:rPr lang="en-US" sz="1200" dirty="0">
+                <a:solidFill>
+                  <a:schemeClr val="tx1"/>
+                </a:solidFill>
+                <a:latin typeface="Segoe UI" panose="020B0502040204020203" pitchFamily="34" charset="0"/>
+                <a:cs typeface="Segoe UI" panose="020B0502040204020203" pitchFamily="34" charset="0"/>
+              </a:rPr>
+              <a:t>Purchase…</a:t>
+            </a:r>
+          </a:p>
+        </p:txBody>
+      </p:sp>
+      <p:cxnSp>
+        <p:nvCxnSpPr>
+          <p:cNvPr id="88" name="Connector: Elbow 87">
+            <a:extLst>
+              <a:ext uri="{FF2B5EF4-FFF2-40B4-BE49-F238E27FC236}">
+                <a16:creationId xmlns:a16="http://schemas.microsoft.com/office/drawing/2014/main" id="{70A1B208-C63B-DED8-7835-8806AFA73E62}"/>
+              </a:ext>
+            </a:extLst>
+          </p:cNvPr>
+          <p:cNvCxnSpPr>
+            <a:cxnSpLocks/>
+            <a:endCxn id="26" idx="2"/>
+          </p:cNvCxnSpPr>
+          <p:nvPr/>
+        </p:nvCxnSpPr>
+        <p:spPr>
+          <a:xfrm flipV="1">
+            <a:off x="6756413" y="3302134"/>
+            <a:ext cx="2493409" cy="94121"/>
+          </a:xfrm>
+          <a:prstGeom prst="bentConnector2">
+            <a:avLst/>
+          </a:prstGeom>
+          <a:ln>
+            <a:solidFill>
+              <a:srgbClr val="0B556A"/>
+            </a:solidFill>
+            <a:tailEnd type="triangle"/>
+          </a:ln>
+        </p:spPr>
+        <p:style>
+          <a:lnRef idx="1">
+            <a:schemeClr val="accent1"/>
+          </a:lnRef>
+          <a:fillRef idx="0">
+            <a:schemeClr val="accent1"/>
+          </a:fillRef>
+          <a:effectRef idx="0">
+            <a:schemeClr val="accent1"/>
+          </a:effectRef>
+          <a:fontRef idx="minor">
+            <a:schemeClr val="tx1"/>
+          </a:fontRef>
+        </p:style>
+      </p:cxnSp>
+      <p:cxnSp>
+        <p:nvCxnSpPr>
+          <p:cNvPr id="105" name="Connector: Elbow 104">
+            <a:extLst>
+              <a:ext uri="{FF2B5EF4-FFF2-40B4-BE49-F238E27FC236}">
+                <a16:creationId xmlns:a16="http://schemas.microsoft.com/office/drawing/2014/main" id="{2C0CFECF-CDAA-38A1-B7A9-CC5BDCCEFB2D}"/>
+              </a:ext>
+            </a:extLst>
+          </p:cNvPr>
+          <p:cNvCxnSpPr>
+            <a:cxnSpLocks/>
+            <a:endCxn id="24" idx="2"/>
+          </p:cNvCxnSpPr>
+          <p:nvPr/>
+        </p:nvCxnSpPr>
+        <p:spPr>
+          <a:xfrm rot="5400000" flipH="1" flipV="1">
+            <a:off x="9139254" y="1987339"/>
+            <a:ext cx="398642" cy="1"/>
+          </a:xfrm>
+          <a:prstGeom prst="bentConnector3">
+            <a:avLst>
+              <a:gd name="adj1" fmla="val 50000"/>
+            </a:avLst>
+          </a:prstGeom>
+          <a:ln>
+            <a:solidFill>
+              <a:srgbClr val="0B556A"/>
+            </a:solidFill>
+            <a:tailEnd type="triangle"/>
+          </a:ln>
+        </p:spPr>
+        <p:style>
+          <a:lnRef idx="1">
+            <a:schemeClr val="accent1"/>
+          </a:lnRef>
+          <a:fillRef idx="0">
+            <a:schemeClr val="accent1"/>
+          </a:fillRef>
+          <a:effectRef idx="0">
+            <a:schemeClr val="accent1"/>
+          </a:effectRef>
+          <a:fontRef idx="minor">
+            <a:schemeClr val="tx1"/>
+          </a:fontRef>
+        </p:style>
+      </p:cxnSp>
+      <p:cxnSp>
+        <p:nvCxnSpPr>
+          <p:cNvPr id="97" name="Connector: Elbow 96">
+            <a:extLst>
+              <a:ext uri="{FF2B5EF4-FFF2-40B4-BE49-F238E27FC236}">
+                <a16:creationId xmlns:a16="http://schemas.microsoft.com/office/drawing/2014/main" id="{4CC52C62-65A8-C15E-3A55-8974F38085AA}"/>
+              </a:ext>
+            </a:extLst>
+          </p:cNvPr>
+          <p:cNvCxnSpPr>
+            <a:cxnSpLocks/>
+          </p:cNvCxnSpPr>
+          <p:nvPr/>
+        </p:nvCxnSpPr>
+        <p:spPr>
+          <a:xfrm rot="10800000" flipV="1">
+            <a:off x="4065744" y="3396255"/>
+            <a:ext cx="1748176" cy="326436"/>
+          </a:xfrm>
+          <a:prstGeom prst="bentConnector2">
+            <a:avLst/>
+          </a:prstGeom>
+          <a:ln>
+            <a:solidFill>
+              <a:srgbClr val="0B556A"/>
+            </a:solidFill>
+            <a:headEnd type="none" w="med" len="med"/>
+            <a:tailEnd type="none" w="med" len="med"/>
+          </a:ln>
+        </p:spPr>
+        <p:style>
+          <a:lnRef idx="1">
+            <a:schemeClr val="accent1"/>
+          </a:lnRef>
+          <a:fillRef idx="0">
+            <a:schemeClr val="accent1"/>
+          </a:fillRef>
+          <a:effectRef idx="0">
+            <a:schemeClr val="accent1"/>
+          </a:effectRef>
+          <a:fontRef idx="minor">
+            <a:schemeClr val="tx1"/>
+          </a:fontRef>
+        </p:style>
+      </p:cxnSp>
+      <p:sp>
+        <p:nvSpPr>
+          <p:cNvPr id="127" name="Rectangle 126">
+            <a:extLst>
+              <a:ext uri="{FF2B5EF4-FFF2-40B4-BE49-F238E27FC236}">
+                <a16:creationId xmlns:a16="http://schemas.microsoft.com/office/drawing/2014/main" id="{EA0DC9B6-609F-86AD-F8D4-B20C10F3E4E3}"/>
+              </a:ext>
+            </a:extLst>
+          </p:cNvPr>
+          <p:cNvSpPr/>
+          <p:nvPr/>
+        </p:nvSpPr>
+        <p:spPr>
+          <a:xfrm>
+            <a:off x="7097745" y="5345877"/>
+            <a:ext cx="1720959" cy="771525"/>
+          </a:xfrm>
+          <a:prstGeom prst="rect">
+            <a:avLst/>
+          </a:prstGeom>
+          <a:solidFill>
+            <a:schemeClr val="bg1"/>
+          </a:solidFill>
+          <a:ln>
+            <a:solidFill>
+              <a:srgbClr val="0B556A"/>
+            </a:solidFill>
+          </a:ln>
+        </p:spPr>
+        <p:style>
+          <a:lnRef idx="2">
+            <a:schemeClr val="accent1">
+              <a:shade val="50000"/>
+            </a:schemeClr>
+          </a:lnRef>
+          <a:fillRef idx="1">
+            <a:schemeClr val="accent1"/>
+          </a:fillRef>
+          <a:effectRef idx="0">
+            <a:schemeClr val="accent1"/>
+          </a:effectRef>
+          <a:fontRef idx="minor">
+            <a:schemeClr val="lt1"/>
+          </a:fontRef>
+        </p:style>
+        <p:txBody>
+          <a:bodyPr rtlCol="0" anchor="t"/>
+          <a:lstStyle/>
+          <a:p>
+            <a:pPr algn="ctr"/>
+            <a:endParaRPr lang="en-DK" sz="1400" dirty="0">
+              <a:solidFill>
+                <a:schemeClr val="tx1"/>
+              </a:solidFill>
+              <a:latin typeface="Segoe UI" panose="020B0502040204020203" pitchFamily="34" charset="0"/>
+              <a:cs typeface="Segoe UI" panose="020B0502040204020203" pitchFamily="34" charset="0"/>
+            </a:endParaRPr>
+          </a:p>
+        </p:txBody>
+      </p:sp>
+      <p:sp>
+        <p:nvSpPr>
+          <p:cNvPr id="129" name="Rectangle 128">
+            <a:extLst>
+              <a:ext uri="{FF2B5EF4-FFF2-40B4-BE49-F238E27FC236}">
+                <a16:creationId xmlns:a16="http://schemas.microsoft.com/office/drawing/2014/main" id="{AD249A59-28DE-7423-3854-A120FC91733F}"/>
+              </a:ext>
+            </a:extLst>
+          </p:cNvPr>
+          <p:cNvSpPr/>
+          <p:nvPr/>
+        </p:nvSpPr>
+        <p:spPr>
+          <a:xfrm>
+            <a:off x="6865986" y="5518882"/>
+            <a:ext cx="1720959" cy="771525"/>
+          </a:xfrm>
+          <a:prstGeom prst="rect">
+            <a:avLst/>
+          </a:prstGeom>
+          <a:solidFill>
+            <a:schemeClr val="bg1"/>
+          </a:solidFill>
+          <a:ln>
+            <a:solidFill>
+              <a:srgbClr val="0B556A"/>
+            </a:solidFill>
+          </a:ln>
+        </p:spPr>
+        <p:style>
+          <a:lnRef idx="2">
+            <a:schemeClr val="accent1">
+              <a:shade val="50000"/>
+            </a:schemeClr>
+          </a:lnRef>
+          <a:fillRef idx="1">
+            <a:schemeClr val="accent1"/>
+          </a:fillRef>
+          <a:effectRef idx="0">
+            <a:schemeClr val="accent1"/>
+          </a:effectRef>
+          <a:fontRef idx="minor">
+            <a:schemeClr val="lt1"/>
+          </a:fontRef>
+        </p:style>
+        <p:txBody>
+          <a:bodyPr rtlCol="0" anchor="t"/>
+          <a:lstStyle/>
+          <a:p>
+            <a:pPr algn="ctr"/>
+            <a:endParaRPr lang="en-DK" sz="1400" dirty="0">
+              <a:solidFill>
+                <a:schemeClr val="tx1"/>
+              </a:solidFill>
+              <a:latin typeface="Segoe UI" panose="020B0502040204020203" pitchFamily="34" charset="0"/>
+              <a:cs typeface="Segoe UI" panose="020B0502040204020203" pitchFamily="34" charset="0"/>
+            </a:endParaRPr>
+          </a:p>
+        </p:txBody>
+      </p:sp>
+      <p:sp>
+        <p:nvSpPr>
+          <p:cNvPr id="131" name="Rectangle 130">
+            <a:extLst>
+              <a:ext uri="{FF2B5EF4-FFF2-40B4-BE49-F238E27FC236}">
+                <a16:creationId xmlns:a16="http://schemas.microsoft.com/office/drawing/2014/main" id="{19C1FAE0-8E9B-A400-407A-F50F8E8EA1D2}"/>
+              </a:ext>
+            </a:extLst>
+          </p:cNvPr>
+          <p:cNvSpPr/>
+          <p:nvPr/>
+        </p:nvSpPr>
+        <p:spPr>
+          <a:xfrm>
+            <a:off x="6593145" y="5689826"/>
+            <a:ext cx="1720959" cy="771525"/>
+          </a:xfrm>
+          <a:prstGeom prst="rect">
+            <a:avLst/>
+          </a:prstGeom>
+          <a:solidFill>
+            <a:schemeClr val="bg1"/>
+          </a:solidFill>
+          <a:ln>
+            <a:solidFill>
+              <a:srgbClr val="0B556A"/>
+            </a:solidFill>
+          </a:ln>
+        </p:spPr>
+        <p:style>
+          <a:lnRef idx="2">
+            <a:schemeClr val="accent1">
+              <a:shade val="50000"/>
+            </a:schemeClr>
+          </a:lnRef>
+          <a:fillRef idx="1">
+            <a:schemeClr val="accent1"/>
+          </a:fillRef>
+          <a:effectRef idx="0">
+            <a:schemeClr val="accent1"/>
+          </a:effectRef>
+          <a:fontRef idx="minor">
+            <a:schemeClr val="lt1"/>
+          </a:fontRef>
+        </p:style>
+        <p:txBody>
+          <a:bodyPr rtlCol="0" anchor="t"/>
+          <a:lstStyle/>
+          <a:p>
+            <a:pPr algn="ctr"/>
+            <a:r>
+              <a:rPr lang="en-US" sz="1200" dirty="0">
+                <a:solidFill>
+                  <a:schemeClr val="tx1"/>
+                </a:solidFill>
+                <a:latin typeface="Segoe UI" panose="020B0502040204020203" pitchFamily="34" charset="0"/>
+                <a:cs typeface="Segoe UI" panose="020B0502040204020203" pitchFamily="34" charset="0"/>
+              </a:rPr>
+              <a:t>Warehouse Put-Away</a:t>
+            </a:r>
+            <a:endParaRPr lang="en-DK" sz="1200" dirty="0">
+              <a:solidFill>
+                <a:schemeClr val="tx1"/>
+              </a:solidFill>
+              <a:latin typeface="Segoe UI" panose="020B0502040204020203" pitchFamily="34" charset="0"/>
+              <a:cs typeface="Segoe UI" panose="020B0502040204020203" pitchFamily="34" charset="0"/>
+            </a:endParaRPr>
+          </a:p>
+        </p:txBody>
+      </p:sp>
+      <p:sp>
+        <p:nvSpPr>
+          <p:cNvPr id="133" name="Rectangle 132">
+            <a:extLst>
+              <a:ext uri="{FF2B5EF4-FFF2-40B4-BE49-F238E27FC236}">
+                <a16:creationId xmlns:a16="http://schemas.microsoft.com/office/drawing/2014/main" id="{45E17324-8F6D-95CE-F780-9D41BC1A864E}"/>
+              </a:ext>
+            </a:extLst>
+          </p:cNvPr>
+          <p:cNvSpPr/>
+          <p:nvPr/>
+        </p:nvSpPr>
+        <p:spPr>
+          <a:xfrm>
+            <a:off x="6939724" y="6283103"/>
+            <a:ext cx="942493" cy="322185"/>
+          </a:xfrm>
+          <a:prstGeom prst="rect">
+            <a:avLst/>
+          </a:prstGeom>
+          <a:solidFill>
+            <a:schemeClr val="bg1"/>
+          </a:solidFill>
+          <a:ln>
+            <a:solidFill>
+              <a:srgbClr val="0B556A"/>
+            </a:solidFill>
+          </a:ln>
+        </p:spPr>
+        <p:style>
+          <a:lnRef idx="2">
+            <a:schemeClr val="accent1">
+              <a:shade val="50000"/>
+            </a:schemeClr>
+          </a:lnRef>
+          <a:fillRef idx="1">
+            <a:schemeClr val="accent1"/>
+          </a:fillRef>
+          <a:effectRef idx="0">
+            <a:schemeClr val="accent1"/>
+          </a:effectRef>
+          <a:fontRef idx="minor">
+            <a:schemeClr val="lt1"/>
+          </a:fontRef>
+        </p:style>
+        <p:txBody>
+          <a:bodyPr rtlCol="0" anchor="t"/>
+          <a:lstStyle/>
+          <a:p>
+            <a:pPr algn="ctr"/>
+            <a:r>
+              <a:rPr lang="en-US" sz="1200" dirty="0">
+                <a:solidFill>
+                  <a:schemeClr val="tx1"/>
+                </a:solidFill>
+                <a:latin typeface="Segoe UI" panose="020B0502040204020203" pitchFamily="34" charset="0"/>
+                <a:cs typeface="Segoe UI" panose="020B0502040204020203" pitchFamily="34" charset="0"/>
+              </a:rPr>
+              <a:t>Register…</a:t>
+            </a:r>
+          </a:p>
+        </p:txBody>
+      </p:sp>
+      <p:cxnSp>
+        <p:nvCxnSpPr>
+          <p:cNvPr id="135" name="Connector: Elbow 134">
+            <a:extLst>
+              <a:ext uri="{FF2B5EF4-FFF2-40B4-BE49-F238E27FC236}">
+                <a16:creationId xmlns:a16="http://schemas.microsoft.com/office/drawing/2014/main" id="{B5BC880D-4A38-970E-6448-5B46A9012130}"/>
+              </a:ext>
+            </a:extLst>
+          </p:cNvPr>
+          <p:cNvCxnSpPr>
+            <a:cxnSpLocks/>
+            <a:endCxn id="6" idx="1"/>
+          </p:cNvCxnSpPr>
+          <p:nvPr/>
+        </p:nvCxnSpPr>
+        <p:spPr>
+          <a:xfrm rot="16200000" flipH="1">
+            <a:off x="3492932" y="4171653"/>
+            <a:ext cx="1348680" cy="203529"/>
+          </a:xfrm>
+          <a:prstGeom prst="bentConnector2">
+            <a:avLst/>
+          </a:prstGeom>
+          <a:ln>
+            <a:solidFill>
+              <a:srgbClr val="0B556A"/>
+            </a:solidFill>
+            <a:tailEnd type="triangle"/>
+          </a:ln>
+        </p:spPr>
+        <p:style>
+          <a:lnRef idx="1">
+            <a:schemeClr val="accent1"/>
+          </a:lnRef>
+          <a:fillRef idx="0">
+            <a:schemeClr val="accent1"/>
+          </a:fillRef>
+          <a:effectRef idx="0">
+            <a:schemeClr val="accent1"/>
+          </a:effectRef>
+          <a:fontRef idx="minor">
+            <a:schemeClr val="tx1"/>
+          </a:fontRef>
+        </p:style>
+      </p:cxnSp>
+      <p:cxnSp>
+        <p:nvCxnSpPr>
+          <p:cNvPr id="138" name="Connector: Elbow 137">
+            <a:extLst>
+              <a:ext uri="{FF2B5EF4-FFF2-40B4-BE49-F238E27FC236}">
+                <a16:creationId xmlns:a16="http://schemas.microsoft.com/office/drawing/2014/main" id="{750E9277-7BB1-2146-A2C4-5DD77B5BE6E4}"/>
+              </a:ext>
+            </a:extLst>
+          </p:cNvPr>
+          <p:cNvCxnSpPr>
+            <a:cxnSpLocks/>
+            <a:stCxn id="41" idx="2"/>
+            <a:endCxn id="131" idx="1"/>
+          </p:cNvCxnSpPr>
+          <p:nvPr/>
+        </p:nvCxnSpPr>
+        <p:spPr>
+          <a:xfrm rot="16200000" flipH="1">
+            <a:off x="5791906" y="5274349"/>
+            <a:ext cx="525823" cy="1076655"/>
+          </a:xfrm>
+          <a:prstGeom prst="bentConnector2">
+            <a:avLst/>
+          </a:prstGeom>
+          <a:ln>
+            <a:solidFill>
+              <a:srgbClr val="0B556A"/>
+            </a:solidFill>
+            <a:tailEnd type="triangle"/>
+          </a:ln>
+        </p:spPr>
+        <p:style>
+          <a:lnRef idx="1">
+            <a:schemeClr val="accent1"/>
+          </a:lnRef>
+          <a:fillRef idx="0">
+            <a:schemeClr val="accent1"/>
+          </a:fillRef>
+          <a:effectRef idx="0">
+            <a:schemeClr val="accent1"/>
+          </a:effectRef>
+          <a:fontRef idx="minor">
+            <a:schemeClr val="tx1"/>
+          </a:fontRef>
+        </p:style>
+      </p:cxnSp>
+      <p:cxnSp>
+        <p:nvCxnSpPr>
+          <p:cNvPr id="145" name="Connector: Elbow 144">
+            <a:extLst>
+              <a:ext uri="{FF2B5EF4-FFF2-40B4-BE49-F238E27FC236}">
+                <a16:creationId xmlns:a16="http://schemas.microsoft.com/office/drawing/2014/main" id="{0761EF37-1B4D-21F7-2468-E15097127A9F}"/>
+              </a:ext>
+            </a:extLst>
+          </p:cNvPr>
+          <p:cNvCxnSpPr>
+            <a:cxnSpLocks/>
+          </p:cNvCxnSpPr>
+          <p:nvPr/>
+        </p:nvCxnSpPr>
+        <p:spPr>
+          <a:xfrm>
+            <a:off x="4065743" y="4947757"/>
+            <a:ext cx="1464100" cy="1127831"/>
+          </a:xfrm>
+          <a:prstGeom prst="bentConnector3">
+            <a:avLst>
+              <a:gd name="adj1" fmla="val 557"/>
+            </a:avLst>
+          </a:prstGeom>
+          <a:ln>
+            <a:solidFill>
+              <a:srgbClr val="0B556A"/>
+            </a:solidFill>
+            <a:prstDash val="dash"/>
+          </a:ln>
+        </p:spPr>
+        <p:style>
+          <a:lnRef idx="1">
+            <a:schemeClr val="accent1"/>
+          </a:lnRef>
+          <a:fillRef idx="0">
+            <a:schemeClr val="accent1"/>
+          </a:fillRef>
+          <a:effectRef idx="0">
+            <a:schemeClr val="accent1"/>
+          </a:effectRef>
+          <a:fontRef idx="minor">
+            <a:schemeClr val="tx1"/>
+          </a:fontRef>
+        </p:style>
+      </p:cxnSp>
+      <p:sp>
+        <p:nvSpPr>
+          <p:cNvPr id="151" name="Flowchart: Connector 150">
+            <a:extLst>
+              <a:ext uri="{FF2B5EF4-FFF2-40B4-BE49-F238E27FC236}">
+                <a16:creationId xmlns:a16="http://schemas.microsoft.com/office/drawing/2014/main" id="{C186D810-0341-11E9-1868-BCE134EA7C45}"/>
+              </a:ext>
+            </a:extLst>
+          </p:cNvPr>
+          <p:cNvSpPr>
+            <a:spLocks noChangeAspect="1"/>
+          </p:cNvSpPr>
+          <p:nvPr/>
+        </p:nvSpPr>
+        <p:spPr>
+          <a:xfrm>
+            <a:off x="944990" y="2106301"/>
+            <a:ext cx="231354" cy="252000"/>
+          </a:xfrm>
+          <a:prstGeom prst="flowChartConnector">
+            <a:avLst/>
+          </a:prstGeom>
+          <a:solidFill>
+            <a:srgbClr val="0B556A"/>
+          </a:solidFill>
+          <a:ln>
+            <a:solidFill>
+              <a:srgbClr val="0B556A"/>
+            </a:solidFill>
+          </a:ln>
+        </p:spPr>
+        <p:style>
+          <a:lnRef idx="2">
+            <a:schemeClr val="accent1">
+              <a:shade val="50000"/>
+            </a:schemeClr>
+          </a:lnRef>
+          <a:fillRef idx="1">
+            <a:schemeClr val="accent1"/>
+          </a:fillRef>
+          <a:effectRef idx="0">
+            <a:schemeClr val="accent1"/>
+          </a:effectRef>
+          <a:fontRef idx="minor">
+            <a:schemeClr val="lt1"/>
+          </a:fontRef>
+        </p:style>
+        <p:txBody>
+          <a:bodyPr rtlCol="0" anchor="ctr"/>
+          <a:lstStyle/>
+          <a:p>
+            <a:pPr algn="ctr"/>
+            <a:r>
+              <a:rPr lang="en-US" dirty="0"/>
+              <a:t>1</a:t>
+            </a:r>
+            <a:endParaRPr lang="en-DK" dirty="0"/>
+          </a:p>
+        </p:txBody>
+      </p:sp>
+      <p:sp>
+        <p:nvSpPr>
+          <p:cNvPr id="153" name="Flowchart: Connector 152">
+            <a:extLst>
+              <a:ext uri="{FF2B5EF4-FFF2-40B4-BE49-F238E27FC236}">
+                <a16:creationId xmlns:a16="http://schemas.microsoft.com/office/drawing/2014/main" id="{4EBB5EFF-C6CC-352E-CE0E-4497C084A7A8}"/>
+              </a:ext>
+            </a:extLst>
+          </p:cNvPr>
+          <p:cNvSpPr>
+            <a:spLocks noChangeAspect="1"/>
+          </p:cNvSpPr>
+          <p:nvPr/>
+        </p:nvSpPr>
+        <p:spPr>
+          <a:xfrm>
+            <a:off x="5137960" y="2530609"/>
+            <a:ext cx="231354" cy="252000"/>
+          </a:xfrm>
+          <a:prstGeom prst="flowChartConnector">
+            <a:avLst/>
+          </a:prstGeom>
+          <a:solidFill>
+            <a:srgbClr val="0B556A"/>
+          </a:solidFill>
+          <a:ln>
+            <a:solidFill>
+              <a:srgbClr val="0B556A"/>
+            </a:solidFill>
+          </a:ln>
+        </p:spPr>
+        <p:style>
+          <a:lnRef idx="2">
+            <a:schemeClr val="accent1">
+              <a:shade val="50000"/>
+            </a:schemeClr>
+          </a:lnRef>
+          <a:fillRef idx="1">
+            <a:schemeClr val="accent1"/>
+          </a:fillRef>
+          <a:effectRef idx="0">
+            <a:schemeClr val="accent1"/>
+          </a:effectRef>
+          <a:fontRef idx="minor">
+            <a:schemeClr val="lt1"/>
+          </a:fontRef>
+        </p:style>
+        <p:txBody>
+          <a:bodyPr rtlCol="0" anchor="ctr"/>
+          <a:lstStyle/>
+          <a:p>
+            <a:pPr algn="ctr"/>
+            <a:r>
+              <a:rPr lang="en-US" dirty="0"/>
+              <a:t>2</a:t>
+            </a:r>
+            <a:endParaRPr lang="en-DK" dirty="0"/>
+          </a:p>
+        </p:txBody>
+      </p:sp>
+      <p:sp>
+        <p:nvSpPr>
+          <p:cNvPr id="155" name="Flowchart: Connector 154">
+            <a:extLst>
+              <a:ext uri="{FF2B5EF4-FFF2-40B4-BE49-F238E27FC236}">
+                <a16:creationId xmlns:a16="http://schemas.microsoft.com/office/drawing/2014/main" id="{4E96B5F4-C27D-0874-58EA-BAF519A60061}"/>
+              </a:ext>
+            </a:extLst>
+          </p:cNvPr>
+          <p:cNvSpPr>
+            <a:spLocks noChangeAspect="1"/>
+          </p:cNvSpPr>
+          <p:nvPr/>
+        </p:nvSpPr>
+        <p:spPr>
+          <a:xfrm>
+            <a:off x="3629433" y="1332644"/>
+            <a:ext cx="231354" cy="252000"/>
+          </a:xfrm>
+          <a:prstGeom prst="flowChartConnector">
+            <a:avLst/>
+          </a:prstGeom>
+          <a:solidFill>
+            <a:srgbClr val="0B556A"/>
+          </a:solidFill>
+          <a:ln>
+            <a:solidFill>
+              <a:srgbClr val="0B556A"/>
+            </a:solidFill>
+          </a:ln>
+        </p:spPr>
+        <p:style>
+          <a:lnRef idx="2">
+            <a:schemeClr val="accent1">
+              <a:shade val="50000"/>
+            </a:schemeClr>
+          </a:lnRef>
+          <a:fillRef idx="1">
+            <a:schemeClr val="accent1"/>
+          </a:fillRef>
+          <a:effectRef idx="0">
+            <a:schemeClr val="accent1"/>
+          </a:effectRef>
+          <a:fontRef idx="minor">
+            <a:schemeClr val="lt1"/>
+          </a:fontRef>
+        </p:style>
+        <p:txBody>
+          <a:bodyPr rtlCol="0" anchor="ctr"/>
+          <a:lstStyle/>
+          <a:p>
+            <a:pPr algn="ctr"/>
+            <a:r>
+              <a:rPr lang="en-US" dirty="0"/>
+              <a:t>3</a:t>
+            </a:r>
+            <a:endParaRPr lang="en-DK" dirty="0"/>
+          </a:p>
+        </p:txBody>
+      </p:sp>
+      <p:sp>
+        <p:nvSpPr>
+          <p:cNvPr id="159" name="Flowchart: Connector 158">
+            <a:extLst>
+              <a:ext uri="{FF2B5EF4-FFF2-40B4-BE49-F238E27FC236}">
+                <a16:creationId xmlns:a16="http://schemas.microsoft.com/office/drawing/2014/main" id="{7B322C0A-3144-B3E0-553B-DBAC192F7F99}"/>
+              </a:ext>
+            </a:extLst>
+          </p:cNvPr>
+          <p:cNvSpPr>
+            <a:spLocks noChangeAspect="1"/>
+          </p:cNvSpPr>
+          <p:nvPr/>
+        </p:nvSpPr>
+        <p:spPr>
+          <a:xfrm>
+            <a:off x="9444698" y="1861900"/>
+            <a:ext cx="231354" cy="252000"/>
+          </a:xfrm>
+          <a:prstGeom prst="flowChartConnector">
+            <a:avLst/>
+          </a:prstGeom>
+          <a:solidFill>
+            <a:srgbClr val="0B556A"/>
+          </a:solidFill>
+          <a:ln>
+            <a:solidFill>
+              <a:srgbClr val="0B556A"/>
+            </a:solidFill>
+          </a:ln>
+        </p:spPr>
+        <p:style>
+          <a:lnRef idx="2">
+            <a:schemeClr val="accent1">
+              <a:shade val="50000"/>
+            </a:schemeClr>
+          </a:lnRef>
+          <a:fillRef idx="1">
+            <a:schemeClr val="accent1"/>
+          </a:fillRef>
+          <a:effectRef idx="0">
+            <a:schemeClr val="accent1"/>
+          </a:effectRef>
+          <a:fontRef idx="minor">
+            <a:schemeClr val="lt1"/>
+          </a:fontRef>
+        </p:style>
+        <p:txBody>
+          <a:bodyPr rtlCol="0" anchor="ctr"/>
+          <a:lstStyle/>
+          <a:p>
+            <a:pPr algn="ctr"/>
+            <a:r>
+              <a:rPr lang="en-US" dirty="0"/>
+              <a:t>3</a:t>
+            </a:r>
+            <a:endParaRPr lang="en-DK" dirty="0"/>
+          </a:p>
+        </p:txBody>
+      </p:sp>
+      <p:sp>
+        <p:nvSpPr>
+          <p:cNvPr id="161" name="Flowchart: Connector 160">
+            <a:extLst>
+              <a:ext uri="{FF2B5EF4-FFF2-40B4-BE49-F238E27FC236}">
+                <a16:creationId xmlns:a16="http://schemas.microsoft.com/office/drawing/2014/main" id="{10C39717-8EF6-3869-35E7-4E1509FE9757}"/>
+              </a:ext>
+            </a:extLst>
+          </p:cNvPr>
+          <p:cNvSpPr>
+            <a:spLocks noChangeAspect="1"/>
+          </p:cNvSpPr>
+          <p:nvPr/>
+        </p:nvSpPr>
+        <p:spPr>
+          <a:xfrm>
+            <a:off x="8076788" y="3473078"/>
+            <a:ext cx="231354" cy="252000"/>
+          </a:xfrm>
+          <a:prstGeom prst="flowChartConnector">
+            <a:avLst/>
+          </a:prstGeom>
+          <a:solidFill>
+            <a:srgbClr val="0B556A"/>
+          </a:solidFill>
+          <a:ln>
+            <a:solidFill>
+              <a:srgbClr val="0B556A"/>
+            </a:solidFill>
+          </a:ln>
+        </p:spPr>
+        <p:style>
+          <a:lnRef idx="2">
+            <a:schemeClr val="accent1">
+              <a:shade val="50000"/>
+            </a:schemeClr>
+          </a:lnRef>
+          <a:fillRef idx="1">
+            <a:schemeClr val="accent1"/>
+          </a:fillRef>
+          <a:effectRef idx="0">
+            <a:schemeClr val="accent1"/>
+          </a:effectRef>
+          <a:fontRef idx="minor">
+            <a:schemeClr val="lt1"/>
+          </a:fontRef>
+        </p:style>
+        <p:txBody>
+          <a:bodyPr rtlCol="0" anchor="ctr"/>
+          <a:lstStyle/>
+          <a:p>
+            <a:pPr algn="ctr"/>
+            <a:r>
+              <a:rPr lang="en-US" dirty="0"/>
+              <a:t>3</a:t>
+            </a:r>
+            <a:endParaRPr lang="en-DK" dirty="0"/>
+          </a:p>
+        </p:txBody>
+      </p:sp>
+      <p:sp>
+        <p:nvSpPr>
+          <p:cNvPr id="163" name="Flowchart: Connector 162">
+            <a:extLst>
+              <a:ext uri="{FF2B5EF4-FFF2-40B4-BE49-F238E27FC236}">
+                <a16:creationId xmlns:a16="http://schemas.microsoft.com/office/drawing/2014/main" id="{FE9BFA50-E19F-28AE-C91E-B982F3EE8501}"/>
+              </a:ext>
+            </a:extLst>
+          </p:cNvPr>
+          <p:cNvSpPr>
+            <a:spLocks noChangeAspect="1"/>
+          </p:cNvSpPr>
+          <p:nvPr/>
+        </p:nvSpPr>
+        <p:spPr>
+          <a:xfrm>
+            <a:off x="5142874" y="3435864"/>
+            <a:ext cx="231354" cy="252000"/>
+          </a:xfrm>
+          <a:prstGeom prst="flowChartConnector">
+            <a:avLst/>
+          </a:prstGeom>
+          <a:solidFill>
+            <a:srgbClr val="0B556A"/>
+          </a:solidFill>
+          <a:ln>
+            <a:solidFill>
+              <a:srgbClr val="0B556A"/>
+            </a:solidFill>
+          </a:ln>
+        </p:spPr>
+        <p:style>
+          <a:lnRef idx="2">
+            <a:schemeClr val="accent1">
+              <a:shade val="50000"/>
+            </a:schemeClr>
+          </a:lnRef>
+          <a:fillRef idx="1">
+            <a:schemeClr val="accent1"/>
+          </a:fillRef>
+          <a:effectRef idx="0">
+            <a:schemeClr val="accent1"/>
+          </a:effectRef>
+          <a:fontRef idx="minor">
+            <a:schemeClr val="lt1"/>
+          </a:fontRef>
+        </p:style>
+        <p:txBody>
+          <a:bodyPr rtlCol="0" anchor="ctr"/>
+          <a:lstStyle/>
+          <a:p>
+            <a:pPr algn="ctr"/>
+            <a:r>
+              <a:rPr lang="en-US" dirty="0"/>
+              <a:t>3</a:t>
+            </a:r>
+            <a:endParaRPr lang="en-DK" dirty="0"/>
+          </a:p>
+        </p:txBody>
+      </p:sp>
+      <p:sp>
+        <p:nvSpPr>
+          <p:cNvPr id="167" name="Flowchart: Connector 166">
+            <a:extLst>
+              <a:ext uri="{FF2B5EF4-FFF2-40B4-BE49-F238E27FC236}">
+                <a16:creationId xmlns:a16="http://schemas.microsoft.com/office/drawing/2014/main" id="{49B860F4-89AF-C5CD-20D3-1D9FEB09FEF0}"/>
+              </a:ext>
+            </a:extLst>
+          </p:cNvPr>
+          <p:cNvSpPr>
+            <a:spLocks noChangeAspect="1"/>
+          </p:cNvSpPr>
+          <p:nvPr/>
+        </p:nvSpPr>
+        <p:spPr>
+          <a:xfrm>
+            <a:off x="3629433" y="4569729"/>
+            <a:ext cx="231354" cy="252000"/>
+          </a:xfrm>
+          <a:prstGeom prst="flowChartConnector">
+            <a:avLst/>
+          </a:prstGeom>
+          <a:solidFill>
+            <a:srgbClr val="0B556A"/>
+          </a:solidFill>
+          <a:ln>
+            <a:solidFill>
+              <a:srgbClr val="0B556A"/>
+            </a:solidFill>
+          </a:ln>
+        </p:spPr>
+        <p:style>
+          <a:lnRef idx="2">
+            <a:schemeClr val="accent1">
+              <a:shade val="50000"/>
+            </a:schemeClr>
+          </a:lnRef>
+          <a:fillRef idx="1">
+            <a:schemeClr val="accent1"/>
+          </a:fillRef>
+          <a:effectRef idx="0">
+            <a:schemeClr val="accent1"/>
+          </a:effectRef>
+          <a:fontRef idx="minor">
+            <a:schemeClr val="lt1"/>
+          </a:fontRef>
+        </p:style>
+        <p:txBody>
+          <a:bodyPr rtlCol="0" anchor="ctr"/>
+          <a:lstStyle/>
+          <a:p>
+            <a:pPr algn="ctr"/>
+            <a:r>
+              <a:rPr lang="en-US" dirty="0"/>
+              <a:t>4</a:t>
+            </a:r>
+            <a:endParaRPr lang="en-DK" dirty="0"/>
+          </a:p>
+        </p:txBody>
+      </p:sp>
+      <p:sp>
+        <p:nvSpPr>
+          <p:cNvPr id="169" name="Flowchart: Connector 168">
+            <a:extLst>
+              <a:ext uri="{FF2B5EF4-FFF2-40B4-BE49-F238E27FC236}">
+                <a16:creationId xmlns:a16="http://schemas.microsoft.com/office/drawing/2014/main" id="{8AD45E24-1FA1-B835-9767-9B4BBDD23B7C}"/>
+              </a:ext>
+            </a:extLst>
+          </p:cNvPr>
+          <p:cNvSpPr>
+            <a:spLocks noChangeAspect="1"/>
+          </p:cNvSpPr>
+          <p:nvPr/>
+        </p:nvSpPr>
+        <p:spPr>
+          <a:xfrm>
+            <a:off x="5802686" y="5656911"/>
+            <a:ext cx="231354" cy="252000"/>
+          </a:xfrm>
+          <a:prstGeom prst="flowChartConnector">
+            <a:avLst/>
+          </a:prstGeom>
+          <a:solidFill>
+            <a:srgbClr val="0B556A"/>
+          </a:solidFill>
+          <a:ln>
+            <a:solidFill>
+              <a:srgbClr val="0B556A"/>
+            </a:solidFill>
+          </a:ln>
+        </p:spPr>
+        <p:style>
+          <a:lnRef idx="2">
+            <a:schemeClr val="accent1">
+              <a:shade val="50000"/>
+            </a:schemeClr>
+          </a:lnRef>
+          <a:fillRef idx="1">
+            <a:schemeClr val="accent1"/>
+          </a:fillRef>
+          <a:effectRef idx="0">
+            <a:schemeClr val="accent1"/>
+          </a:effectRef>
+          <a:fontRef idx="minor">
+            <a:schemeClr val="lt1"/>
+          </a:fontRef>
+        </p:style>
+        <p:txBody>
+          <a:bodyPr rtlCol="0" anchor="ctr"/>
+          <a:lstStyle/>
+          <a:p>
+            <a:pPr algn="ctr"/>
+            <a:r>
+              <a:rPr lang="en-US" dirty="0"/>
+              <a:t>5</a:t>
+            </a:r>
+            <a:endParaRPr lang="en-DK" dirty="0"/>
+          </a:p>
+        </p:txBody>
+      </p:sp>
+      <p:sp>
+        <p:nvSpPr>
+          <p:cNvPr id="171" name="Flowchart: Connector 170">
+            <a:extLst>
+              <a:ext uri="{FF2B5EF4-FFF2-40B4-BE49-F238E27FC236}">
+                <a16:creationId xmlns:a16="http://schemas.microsoft.com/office/drawing/2014/main" id="{8ADA285F-74A4-3544-81FB-011827A6BD44}"/>
+              </a:ext>
+            </a:extLst>
+          </p:cNvPr>
+          <p:cNvSpPr>
+            <a:spLocks noChangeAspect="1"/>
+          </p:cNvSpPr>
+          <p:nvPr/>
+        </p:nvSpPr>
+        <p:spPr>
+          <a:xfrm>
+            <a:off x="3629668" y="5511672"/>
+            <a:ext cx="231354" cy="252000"/>
+          </a:xfrm>
+          <a:prstGeom prst="flowChartConnector">
+            <a:avLst/>
+          </a:prstGeom>
+          <a:solidFill>
+            <a:srgbClr val="0B556A"/>
+          </a:solidFill>
+          <a:ln>
+            <a:solidFill>
+              <a:srgbClr val="0B556A"/>
+            </a:solidFill>
+          </a:ln>
+        </p:spPr>
+        <p:style>
+          <a:lnRef idx="2">
+            <a:schemeClr val="accent1">
+              <a:shade val="50000"/>
+            </a:schemeClr>
+          </a:lnRef>
+          <a:fillRef idx="1">
+            <a:schemeClr val="accent1"/>
+          </a:fillRef>
+          <a:effectRef idx="0">
+            <a:schemeClr val="accent1"/>
+          </a:effectRef>
+          <a:fontRef idx="minor">
+            <a:schemeClr val="lt1"/>
+          </a:fontRef>
+        </p:style>
+        <p:txBody>
+          <a:bodyPr rtlCol="0" anchor="ctr"/>
+          <a:lstStyle/>
+          <a:p>
+            <a:pPr algn="ctr"/>
+            <a:r>
+              <a:rPr lang="en-US" dirty="0"/>
+              <a:t>5</a:t>
+            </a:r>
+            <a:endParaRPr lang="en-DK" dirty="0"/>
+          </a:p>
+        </p:txBody>
+      </p:sp>
+      <p:sp>
+        <p:nvSpPr>
+          <p:cNvPr id="173" name="Flowchart: Connector 172">
+            <a:extLst>
+              <a:ext uri="{FF2B5EF4-FFF2-40B4-BE49-F238E27FC236}">
+                <a16:creationId xmlns:a16="http://schemas.microsoft.com/office/drawing/2014/main" id="{5FE3C33E-130B-206D-8159-351C93DF9985}"/>
+              </a:ext>
+            </a:extLst>
+          </p:cNvPr>
+          <p:cNvSpPr>
+            <a:spLocks noChangeAspect="1"/>
+          </p:cNvSpPr>
+          <p:nvPr/>
+        </p:nvSpPr>
+        <p:spPr>
+          <a:xfrm>
+            <a:off x="6679377" y="6506295"/>
+            <a:ext cx="231354" cy="252000"/>
+          </a:xfrm>
+          <a:prstGeom prst="flowChartConnector">
+            <a:avLst/>
+          </a:prstGeom>
+          <a:solidFill>
+            <a:srgbClr val="0B556A"/>
+          </a:solidFill>
+          <a:ln>
+            <a:solidFill>
+              <a:srgbClr val="0B556A"/>
+            </a:solidFill>
+          </a:ln>
+        </p:spPr>
+        <p:style>
+          <a:lnRef idx="2">
+            <a:schemeClr val="accent1">
+              <a:shade val="50000"/>
+            </a:schemeClr>
+          </a:lnRef>
+          <a:fillRef idx="1">
+            <a:schemeClr val="accent1"/>
+          </a:fillRef>
+          <a:effectRef idx="0">
+            <a:schemeClr val="accent1"/>
+          </a:effectRef>
+          <a:fontRef idx="minor">
+            <a:schemeClr val="lt1"/>
+          </a:fontRef>
+        </p:style>
+        <p:txBody>
+          <a:bodyPr rtlCol="0" anchor="ctr"/>
+          <a:lstStyle/>
+          <a:p>
+            <a:pPr algn="ctr"/>
+            <a:r>
+              <a:rPr lang="en-US" dirty="0"/>
+              <a:t>6</a:t>
+            </a:r>
+            <a:endParaRPr lang="en-DK" dirty="0"/>
+          </a:p>
+        </p:txBody>
+      </p:sp>
+    </p:spTree>
+    <p:extLst>
+      <p:ext uri="{BB962C8B-B14F-4D97-AF65-F5344CB8AC3E}">
+        <p14:creationId xmlns:p14="http://schemas.microsoft.com/office/powerpoint/2010/main" val="1281981768"/>
       </p:ext>
     </p:extLst>
   </p:cSld>
